--- a/Presentation.pptx
+++ b/Presentation.pptx
@@ -12,7 +12,8 @@
     <p:sldId id="262" r:id="rId6"/>
     <p:sldId id="263" r:id="rId7"/>
     <p:sldId id="266" r:id="rId8"/>
-    <p:sldId id="259" r:id="rId9"/>
+    <p:sldId id="267" r:id="rId9"/>
+    <p:sldId id="259" r:id="rId10"/>
   </p:sldIdLst>
   <p:sldSz cx="12192000" cy="6858000"/>
   <p:notesSz cx="6858000" cy="9144000"/>
@@ -111,6 +112,11 @@
       </a:defRPr>
     </a:lvl9pPr>
   </p:defaultTextStyle>
+  <p:extLst>
+    <p:ext uri="{EFAFB233-063F-42B5-8137-9DF3F51BA10A}">
+      <p15:sldGuideLst xmlns:p15="http://schemas.microsoft.com/office/powerpoint/2012/main"/>
+    </p:ext>
+  </p:extLst>
 </p:presentation>
 </file>
 
@@ -340,7 +346,7 @@
           <a:p>
             <a:fld id="{8F977628-FFAD-4D88-BC17-1867A1170075}" type="datetimeFigureOut">
               <a:rPr lang="en-CA" smtClean="0"/>
-              <a:t>2021-05-20</a:t>
+              <a:t>2021-05-21</a:t>
             </a:fld>
             <a:endParaRPr lang="en-CA"/>
           </a:p>
@@ -548,7 +554,7 @@
           <a:p>
             <a:fld id="{8F977628-FFAD-4D88-BC17-1867A1170075}" type="datetimeFigureOut">
               <a:rPr lang="en-CA" smtClean="0"/>
-              <a:t>2021-05-20</a:t>
+              <a:t>2021-05-21</a:t>
             </a:fld>
             <a:endParaRPr lang="en-CA"/>
           </a:p>
@@ -804,7 +810,7 @@
           <a:p>
             <a:fld id="{8F977628-FFAD-4D88-BC17-1867A1170075}" type="datetimeFigureOut">
               <a:rPr lang="en-CA" smtClean="0"/>
-              <a:t>2021-05-20</a:t>
+              <a:t>2021-05-21</a:t>
             </a:fld>
             <a:endParaRPr lang="en-CA"/>
           </a:p>
@@ -974,7 +980,7 @@
           <a:p>
             <a:fld id="{8F977628-FFAD-4D88-BC17-1867A1170075}" type="datetimeFigureOut">
               <a:rPr lang="en-CA" smtClean="0"/>
-              <a:t>2021-05-20</a:t>
+              <a:t>2021-05-21</a:t>
             </a:fld>
             <a:endParaRPr lang="en-CA"/>
           </a:p>
@@ -1317,7 +1323,7 @@
           <a:p>
             <a:fld id="{8F977628-FFAD-4D88-BC17-1867A1170075}" type="datetimeFigureOut">
               <a:rPr lang="en-CA" smtClean="0"/>
-              <a:t>2021-05-20</a:t>
+              <a:t>2021-05-21</a:t>
             </a:fld>
             <a:endParaRPr lang="en-CA"/>
           </a:p>
@@ -1592,7 +1598,7 @@
           <a:p>
             <a:fld id="{8F977628-FFAD-4D88-BC17-1867A1170075}" type="datetimeFigureOut">
               <a:rPr lang="en-CA" smtClean="0"/>
-              <a:t>2021-05-20</a:t>
+              <a:t>2021-05-21</a:t>
             </a:fld>
             <a:endParaRPr lang="en-CA"/>
           </a:p>
@@ -1971,7 +1977,7 @@
           <a:p>
             <a:fld id="{8F977628-FFAD-4D88-BC17-1867A1170075}" type="datetimeFigureOut">
               <a:rPr lang="en-CA" smtClean="0"/>
-              <a:t>2021-05-20</a:t>
+              <a:t>2021-05-21</a:t>
             </a:fld>
             <a:endParaRPr lang="en-CA"/>
           </a:p>
@@ -2089,7 +2095,7 @@
           <a:p>
             <a:fld id="{8F977628-FFAD-4D88-BC17-1867A1170075}" type="datetimeFigureOut">
               <a:rPr lang="en-CA" smtClean="0"/>
-              <a:t>2021-05-20</a:t>
+              <a:t>2021-05-21</a:t>
             </a:fld>
             <a:endParaRPr lang="en-CA"/>
           </a:p>
@@ -2260,7 +2266,7 @@
           <a:p>
             <a:fld id="{8F977628-FFAD-4D88-BC17-1867A1170075}" type="datetimeFigureOut">
               <a:rPr lang="en-CA" smtClean="0"/>
-              <a:t>2021-05-20</a:t>
+              <a:t>2021-05-21</a:t>
             </a:fld>
             <a:endParaRPr lang="en-CA"/>
           </a:p>
@@ -2614,7 +2620,7 @@
           <a:p>
             <a:fld id="{8F977628-FFAD-4D88-BC17-1867A1170075}" type="datetimeFigureOut">
               <a:rPr lang="en-CA" smtClean="0"/>
-              <a:t>2021-05-20</a:t>
+              <a:t>2021-05-21</a:t>
             </a:fld>
             <a:endParaRPr lang="en-CA"/>
           </a:p>
@@ -2991,7 +2997,7 @@
           <a:p>
             <a:fld id="{8F977628-FFAD-4D88-BC17-1867A1170075}" type="datetimeFigureOut">
               <a:rPr lang="en-CA" smtClean="0"/>
-              <a:t>2021-05-20</a:t>
+              <a:t>2021-05-21</a:t>
             </a:fld>
             <a:endParaRPr lang="en-CA"/>
           </a:p>
@@ -3278,7 +3284,7 @@
           <a:p>
             <a:fld id="{8F977628-FFAD-4D88-BC17-1867A1170075}" type="datetimeFigureOut">
               <a:rPr lang="en-CA" smtClean="0"/>
-              <a:t>2021-05-20</a:t>
+              <a:t>2021-05-21</a:t>
             </a:fld>
             <a:endParaRPr lang="en-CA"/>
           </a:p>
@@ -5618,7 +5624,7 @@
           </p:cNvPicPr>
           <p:nvPr/>
         </p:nvPicPr>
-        <p:blipFill rotWithShape="1">
+        <p:blipFill>
           <a:blip r:embed="rId2">
             <a:extLst>
               <a:ext uri="{28A0092B-C50C-407E-A947-70E740481C1C}">
@@ -5626,7 +5632,7 @@
               </a:ext>
             </a:extLst>
           </a:blip>
-          <a:srcRect t="9905" r="14512" b="8444"/>
+          <a:srcRect t="2244" b="2244"/>
           <a:stretch/>
         </p:blipFill>
         <p:spPr>
@@ -5661,7 +5667,7 @@
               </a:ext>
             </a:extLst>
           </a:blip>
-          <a:srcRect t="9659" r="15138"/>
+          <a:srcRect l="5112" r="5112"/>
           <a:stretch/>
         </p:blipFill>
         <p:spPr>
@@ -6496,6 +6502,602 @@
 </file>
 
 <file path=ppt/slides/slide8.xml><?xml version="1.0" encoding="utf-8"?>
+<p:sld xmlns:a="http://schemas.openxmlformats.org/drawingml/2006/main" xmlns:r="http://schemas.openxmlformats.org/officeDocument/2006/relationships" xmlns:p="http://schemas.openxmlformats.org/presentationml/2006/main">
+  <p:cSld>
+    <p:bg>
+      <p:bgPr>
+        <a:solidFill>
+          <a:schemeClr val="bg1"/>
+        </a:solidFill>
+        <a:effectLst/>
+      </p:bgPr>
+    </p:bg>
+    <p:spTree>
+      <p:nvGrpSpPr>
+        <p:cNvPr id="1" name=""/>
+        <p:cNvGrpSpPr/>
+        <p:nvPr/>
+      </p:nvGrpSpPr>
+      <p:grpSpPr>
+        <a:xfrm>
+          <a:off x="0" y="0"/>
+          <a:ext cx="0" cy="0"/>
+          <a:chOff x="0" y="0"/>
+          <a:chExt cx="0" cy="0"/>
+        </a:xfrm>
+      </p:grpSpPr>
+      <p:sp>
+        <p:nvSpPr>
+          <p:cNvPr id="56" name="Rectangle 55">
+            <a:extLst>
+              <a:ext uri="{FF2B5EF4-FFF2-40B4-BE49-F238E27FC236}">
+                <a16:creationId xmlns:a16="http://schemas.microsoft.com/office/drawing/2014/main" id="{3CFC9789-57F4-4B9C-ABAA-6F7C8BADCAE8}"/>
+              </a:ext>
+              <a:ext uri="{C183D7F6-B498-43B3-948B-1728B52AA6E4}">
+                <adec:decorative xmlns:adec="http://schemas.microsoft.com/office/drawing/2017/decorative" val="1"/>
+              </a:ext>
+            </a:extLst>
+          </p:cNvPr>
+          <p:cNvSpPr>
+            <a:spLocks noGrp="1" noRot="1" noChangeAspect="1" noMove="1" noResize="1" noEditPoints="1" noAdjustHandles="1" noChangeArrowheads="1" noChangeShapeType="1" noTextEdit="1"/>
+          </p:cNvSpPr>
+          <p:nvPr>
+            <p:extLst>
+              <p:ext uri="{386F3935-93C4-4BCD-93E2-E3B085C9AB24}">
+                <p16:designElem xmlns:p16="http://schemas.microsoft.com/office/powerpoint/2015/main" val="1"/>
+              </p:ext>
+            </p:extLst>
+          </p:nvPr>
+        </p:nvSpPr>
+        <p:spPr>
+          <a:xfrm>
+            <a:off x="1" y="6400800"/>
+            <a:ext cx="12192000" cy="457200"/>
+          </a:xfrm>
+          <a:prstGeom prst="rect">
+            <a:avLst/>
+          </a:prstGeom>
+          <a:solidFill>
+            <a:schemeClr val="accent2"/>
+          </a:solidFill>
+          <a:ln>
+            <a:noFill/>
+          </a:ln>
+        </p:spPr>
+        <p:style>
+          <a:lnRef idx="2">
+            <a:schemeClr val="accent1">
+              <a:shade val="50000"/>
+            </a:schemeClr>
+          </a:lnRef>
+          <a:fillRef idx="1">
+            <a:schemeClr val="accent1"/>
+          </a:fillRef>
+          <a:effectRef idx="0">
+            <a:schemeClr val="accent1"/>
+          </a:effectRef>
+          <a:fontRef idx="minor">
+            <a:schemeClr val="lt1"/>
+          </a:fontRef>
+        </p:style>
+      </p:sp>
+      <p:sp>
+        <p:nvSpPr>
+          <p:cNvPr id="58" name="Rectangle 57">
+            <a:extLst>
+              <a:ext uri="{FF2B5EF4-FFF2-40B4-BE49-F238E27FC236}">
+                <a16:creationId xmlns:a16="http://schemas.microsoft.com/office/drawing/2014/main" id="{9B54F538-07DE-4652-B506-5D16E3EBBB0F}"/>
+              </a:ext>
+              <a:ext uri="{C183D7F6-B498-43B3-948B-1728B52AA6E4}">
+                <adec:decorative xmlns:adec="http://schemas.microsoft.com/office/drawing/2017/decorative" val="1"/>
+              </a:ext>
+            </a:extLst>
+          </p:cNvPr>
+          <p:cNvSpPr>
+            <a:spLocks noGrp="1" noRot="1" noChangeAspect="1" noMove="1" noResize="1" noEditPoints="1" noAdjustHandles="1" noChangeArrowheads="1" noChangeShapeType="1" noTextEdit="1"/>
+          </p:cNvSpPr>
+          <p:nvPr>
+            <p:extLst>
+              <p:ext uri="{386F3935-93C4-4BCD-93E2-E3B085C9AB24}">
+                <p16:designElem xmlns:p16="http://schemas.microsoft.com/office/powerpoint/2015/main" val="1"/>
+              </p:ext>
+            </p:extLst>
+          </p:nvPr>
+        </p:nvSpPr>
+        <p:spPr>
+          <a:xfrm>
+            <a:off x="15" y="6334316"/>
+            <a:ext cx="12191985" cy="66484"/>
+          </a:xfrm>
+          <a:prstGeom prst="rect">
+            <a:avLst/>
+          </a:prstGeom>
+          <a:solidFill>
+            <a:schemeClr val="accent1"/>
+          </a:solidFill>
+          <a:ln>
+            <a:noFill/>
+          </a:ln>
+        </p:spPr>
+        <p:style>
+          <a:lnRef idx="2">
+            <a:schemeClr val="accent1">
+              <a:shade val="50000"/>
+            </a:schemeClr>
+          </a:lnRef>
+          <a:fillRef idx="1">
+            <a:schemeClr val="accent1"/>
+          </a:fillRef>
+          <a:effectRef idx="0">
+            <a:schemeClr val="accent1"/>
+          </a:effectRef>
+          <a:fontRef idx="minor">
+            <a:schemeClr val="lt1"/>
+          </a:fontRef>
+        </p:style>
+      </p:sp>
+      <p:cxnSp>
+        <p:nvCxnSpPr>
+          <p:cNvPr id="60" name="Straight Connector 59">
+            <a:extLst>
+              <a:ext uri="{FF2B5EF4-FFF2-40B4-BE49-F238E27FC236}">
+                <a16:creationId xmlns:a16="http://schemas.microsoft.com/office/drawing/2014/main" id="{03D56195-A6AC-4958-8B87-F7D009353EB1}"/>
+              </a:ext>
+              <a:ext uri="{C183D7F6-B498-43B3-948B-1728B52AA6E4}">
+                <adec:decorative xmlns:adec="http://schemas.microsoft.com/office/drawing/2017/decorative" val="1"/>
+              </a:ext>
+            </a:extLst>
+          </p:cNvPr>
+          <p:cNvCxnSpPr>
+            <a:cxnSpLocks noGrp="1" noRot="1" noChangeAspect="1" noMove="1" noResize="1" noEditPoints="1" noAdjustHandles="1" noChangeArrowheads="1" noChangeShapeType="1"/>
+          </p:cNvCxnSpPr>
+          <p:nvPr>
+            <p:extLst>
+              <p:ext uri="{386F3935-93C4-4BCD-93E2-E3B085C9AB24}">
+                <p16:designElem xmlns:p16="http://schemas.microsoft.com/office/powerpoint/2015/main" val="1"/>
+              </p:ext>
+            </p:extLst>
+          </p:nvPr>
+        </p:nvCxnSpPr>
+        <p:spPr>
+          <a:xfrm>
+            <a:off x="1193532" y="1737845"/>
+            <a:ext cx="9966960" cy="0"/>
+          </a:xfrm>
+          <a:prstGeom prst="line">
+            <a:avLst/>
+          </a:prstGeom>
+          <a:ln w="6350">
+            <a:solidFill>
+              <a:schemeClr val="tx1">
+                <a:lumMod val="50000"/>
+                <a:lumOff val="50000"/>
+              </a:schemeClr>
+            </a:solidFill>
+          </a:ln>
+        </p:spPr>
+        <p:style>
+          <a:lnRef idx="1">
+            <a:schemeClr val="accent1"/>
+          </a:lnRef>
+          <a:fillRef idx="0">
+            <a:schemeClr val="accent1"/>
+          </a:fillRef>
+          <a:effectRef idx="0">
+            <a:schemeClr val="accent1"/>
+          </a:effectRef>
+          <a:fontRef idx="minor">
+            <a:schemeClr val="tx1"/>
+          </a:fontRef>
+        </p:style>
+      </p:cxnSp>
+      <p:sp useBgFill="1">
+        <p:nvSpPr>
+          <p:cNvPr id="78" name="Rectangle 61">
+            <a:extLst>
+              <a:ext uri="{FF2B5EF4-FFF2-40B4-BE49-F238E27FC236}">
+                <a16:creationId xmlns:a16="http://schemas.microsoft.com/office/drawing/2014/main" id="{605A42EF-68E6-4808-81CD-E5ABD0ED92CA}"/>
+              </a:ext>
+              <a:ext uri="{C183D7F6-B498-43B3-948B-1728B52AA6E4}">
+                <adec:decorative xmlns:adec="http://schemas.microsoft.com/office/drawing/2017/decorative" val="1"/>
+              </a:ext>
+            </a:extLst>
+          </p:cNvPr>
+          <p:cNvSpPr>
+            <a:spLocks noGrp="1" noRot="1" noChangeAspect="1" noMove="1" noResize="1" noEditPoints="1" noAdjustHandles="1" noChangeArrowheads="1" noChangeShapeType="1" noTextEdit="1"/>
+          </p:cNvSpPr>
+          <p:nvPr>
+            <p:extLst>
+              <p:ext uri="{386F3935-93C4-4BCD-93E2-E3B085C9AB24}">
+                <p16:designElem xmlns:p16="http://schemas.microsoft.com/office/powerpoint/2015/main" val="1"/>
+              </p:ext>
+            </p:extLst>
+          </p:nvPr>
+        </p:nvSpPr>
+        <p:spPr>
+          <a:xfrm>
+            <a:off x="0" y="0"/>
+            <a:ext cx="12192001" cy="6334316"/>
+          </a:xfrm>
+          <a:prstGeom prst="rect">
+            <a:avLst/>
+          </a:prstGeom>
+          <a:ln>
+            <a:noFill/>
+          </a:ln>
+        </p:spPr>
+        <p:style>
+          <a:lnRef idx="2">
+            <a:schemeClr val="accent1">
+              <a:shade val="50000"/>
+            </a:schemeClr>
+          </a:lnRef>
+          <a:fillRef idx="1">
+            <a:schemeClr val="accent1"/>
+          </a:fillRef>
+          <a:effectRef idx="0">
+            <a:schemeClr val="accent1"/>
+          </a:effectRef>
+          <a:fontRef idx="minor">
+            <a:schemeClr val="lt1"/>
+          </a:fontRef>
+        </p:style>
+        <p:txBody>
+          <a:bodyPr rtlCol="0" anchor="ctr"/>
+          <a:lstStyle/>
+          <a:p>
+            <a:pPr algn="ctr"/>
+            <a:endParaRPr lang="en-US"/>
+          </a:p>
+        </p:txBody>
+      </p:sp>
+      <p:pic>
+        <p:nvPicPr>
+          <p:cNvPr id="3" name="Picture 2" descr="Table&#10;&#10;Description automatically generated">
+            <a:extLst>
+              <a:ext uri="{FF2B5EF4-FFF2-40B4-BE49-F238E27FC236}">
+                <a16:creationId xmlns:a16="http://schemas.microsoft.com/office/drawing/2014/main" id="{8F750A89-9B3A-4524-A6F8-6B1C37C6250C}"/>
+              </a:ext>
+            </a:extLst>
+          </p:cNvPr>
+          <p:cNvPicPr>
+            <a:picLocks noChangeAspect="1"/>
+          </p:cNvPicPr>
+          <p:nvPr/>
+        </p:nvPicPr>
+        <p:blipFill>
+          <a:blip r:embed="rId2">
+            <a:extLst>
+              <a:ext uri="{28A0092B-C50C-407E-A947-70E740481C1C}">
+                <a14:useLocalDpi xmlns:a14="http://schemas.microsoft.com/office/drawing/2010/main" val="0"/>
+              </a:ext>
+            </a:extLst>
+          </a:blip>
+          <a:stretch>
+            <a:fillRect/>
+          </a:stretch>
+        </p:blipFill>
+        <p:spPr>
+          <a:xfrm>
+            <a:off x="1932435" y="645106"/>
+            <a:ext cx="2873141" cy="5247747"/>
+          </a:xfrm>
+          <a:prstGeom prst="rect">
+            <a:avLst/>
+          </a:prstGeom>
+        </p:spPr>
+      </p:pic>
+      <p:cxnSp>
+        <p:nvCxnSpPr>
+          <p:cNvPr id="79" name="Straight Connector 63">
+            <a:extLst>
+              <a:ext uri="{FF2B5EF4-FFF2-40B4-BE49-F238E27FC236}">
+                <a16:creationId xmlns:a16="http://schemas.microsoft.com/office/drawing/2014/main" id="{3C4A154E-1950-4755-A5FC-5998EE0CC14B}"/>
+              </a:ext>
+              <a:ext uri="{C183D7F6-B498-43B3-948B-1728B52AA6E4}">
+                <adec:decorative xmlns:adec="http://schemas.microsoft.com/office/drawing/2017/decorative" val="1"/>
+              </a:ext>
+            </a:extLst>
+          </p:cNvPr>
+          <p:cNvCxnSpPr>
+            <a:cxnSpLocks noGrp="1" noRot="1" noChangeAspect="1" noMove="1" noResize="1" noEditPoints="1" noAdjustHandles="1" noChangeArrowheads="1" noChangeShapeType="1"/>
+          </p:cNvCxnSpPr>
+          <p:nvPr>
+            <p:extLst>
+              <p:ext uri="{386F3935-93C4-4BCD-93E2-E3B085C9AB24}">
+                <p16:designElem xmlns:p16="http://schemas.microsoft.com/office/powerpoint/2015/main" val="1"/>
+              </p:ext>
+            </p:extLst>
+          </p:nvPr>
+        </p:nvCxnSpPr>
+        <p:spPr>
+          <a:xfrm>
+            <a:off x="6411684" y="2086188"/>
+            <a:ext cx="4748808" cy="0"/>
+          </a:xfrm>
+          <a:prstGeom prst="line">
+            <a:avLst/>
+          </a:prstGeom>
+          <a:ln w="6350">
+            <a:solidFill>
+              <a:schemeClr val="tx1">
+                <a:lumMod val="50000"/>
+                <a:lumOff val="50000"/>
+                <a:alpha val="90000"/>
+              </a:schemeClr>
+            </a:solidFill>
+          </a:ln>
+        </p:spPr>
+        <p:style>
+          <a:lnRef idx="1">
+            <a:schemeClr val="accent1"/>
+          </a:lnRef>
+          <a:fillRef idx="0">
+            <a:schemeClr val="accent1"/>
+          </a:fillRef>
+          <a:effectRef idx="0">
+            <a:schemeClr val="accent1"/>
+          </a:effectRef>
+          <a:fontRef idx="minor">
+            <a:schemeClr val="tx1"/>
+          </a:fontRef>
+        </p:style>
+      </p:cxnSp>
+      <p:sp>
+        <p:nvSpPr>
+          <p:cNvPr id="6" name="TextBox 5">
+            <a:extLst>
+              <a:ext uri="{FF2B5EF4-FFF2-40B4-BE49-F238E27FC236}">
+                <a16:creationId xmlns:a16="http://schemas.microsoft.com/office/drawing/2014/main" id="{2E861680-29AF-4D07-BF50-64E0D7A2A094}"/>
+              </a:ext>
+            </a:extLst>
+          </p:cNvPr>
+          <p:cNvSpPr txBox="1"/>
+          <p:nvPr/>
+        </p:nvSpPr>
+        <p:spPr>
+          <a:xfrm>
+            <a:off x="6411684" y="2198914"/>
+            <a:ext cx="5127172" cy="3670180"/>
+          </a:xfrm>
+          <a:prstGeom prst="rect">
+            <a:avLst/>
+          </a:prstGeom>
+        </p:spPr>
+        <p:txBody>
+          <a:bodyPr vert="horz" lIns="0" tIns="45720" rIns="0" bIns="45720" rtlCol="0">
+            <a:normAutofit/>
+          </a:bodyPr>
+          <a:lstStyle/>
+          <a:p>
+            <a:pPr defTabSz="914400">
+              <a:lnSpc>
+                <a:spcPct val="90000"/>
+              </a:lnSpc>
+              <a:spcAft>
+                <a:spcPts val="600"/>
+              </a:spcAft>
+              <a:buClr>
+                <a:schemeClr val="accent1"/>
+              </a:buClr>
+              <a:buFont typeface="Calibri" panose="020F0502020204030204" pitchFamily="34" charset="0"/>
+            </a:pPr>
+            <a:r>
+              <a:rPr lang="en-US" dirty="0">
+                <a:solidFill>
+                  <a:schemeClr val="tx1">
+                    <a:lumMod val="75000"/>
+                    <a:lumOff val="25000"/>
+                  </a:schemeClr>
+                </a:solidFill>
+              </a:rPr>
+              <a:t>Are clients being grouped the same way by both demographics AND banking information?</a:t>
+            </a:r>
+          </a:p>
+        </p:txBody>
+      </p:sp>
+      <p:sp>
+        <p:nvSpPr>
+          <p:cNvPr id="80" name="Rectangle 65">
+            <a:extLst>
+              <a:ext uri="{FF2B5EF4-FFF2-40B4-BE49-F238E27FC236}">
+                <a16:creationId xmlns:a16="http://schemas.microsoft.com/office/drawing/2014/main" id="{3FE9C285-56FB-4B36-8ECA-C2D6596AA906}"/>
+              </a:ext>
+              <a:ext uri="{C183D7F6-B498-43B3-948B-1728B52AA6E4}">
+                <adec:decorative xmlns:adec="http://schemas.microsoft.com/office/drawing/2017/decorative" val="1"/>
+              </a:ext>
+            </a:extLst>
+          </p:cNvPr>
+          <p:cNvSpPr>
+            <a:spLocks noGrp="1" noRot="1" noChangeAspect="1" noMove="1" noResize="1" noEditPoints="1" noAdjustHandles="1" noChangeArrowheads="1" noChangeShapeType="1" noTextEdit="1"/>
+          </p:cNvSpPr>
+          <p:nvPr>
+            <p:extLst>
+              <p:ext uri="{386F3935-93C4-4BCD-93E2-E3B085C9AB24}">
+                <p16:designElem xmlns:p16="http://schemas.microsoft.com/office/powerpoint/2015/main" val="1"/>
+              </p:ext>
+            </p:extLst>
+          </p:nvPr>
+        </p:nvSpPr>
+        <p:spPr>
+          <a:xfrm>
+            <a:off x="15" y="6334316"/>
+            <a:ext cx="12191985" cy="66484"/>
+          </a:xfrm>
+          <a:prstGeom prst="rect">
+            <a:avLst/>
+          </a:prstGeom>
+          <a:solidFill>
+            <a:schemeClr val="accent1"/>
+          </a:solidFill>
+          <a:ln>
+            <a:noFill/>
+          </a:ln>
+        </p:spPr>
+        <p:style>
+          <a:lnRef idx="2">
+            <a:schemeClr val="accent1">
+              <a:shade val="50000"/>
+            </a:schemeClr>
+          </a:lnRef>
+          <a:fillRef idx="1">
+            <a:schemeClr val="accent1"/>
+          </a:fillRef>
+          <a:effectRef idx="0">
+            <a:schemeClr val="accent1"/>
+          </a:effectRef>
+          <a:fontRef idx="minor">
+            <a:schemeClr val="lt1"/>
+          </a:fontRef>
+        </p:style>
+      </p:sp>
+      <p:sp>
+        <p:nvSpPr>
+          <p:cNvPr id="68" name="Rectangle 67">
+            <a:extLst>
+              <a:ext uri="{FF2B5EF4-FFF2-40B4-BE49-F238E27FC236}">
+                <a16:creationId xmlns:a16="http://schemas.microsoft.com/office/drawing/2014/main" id="{937C076B-00B1-4629-B27F-A86F9885FB4D}"/>
+              </a:ext>
+              <a:ext uri="{C183D7F6-B498-43B3-948B-1728B52AA6E4}">
+                <adec:decorative xmlns:adec="http://schemas.microsoft.com/office/drawing/2017/decorative" val="1"/>
+              </a:ext>
+            </a:extLst>
+          </p:cNvPr>
+          <p:cNvSpPr>
+            <a:spLocks noGrp="1" noRot="1" noChangeAspect="1" noMove="1" noResize="1" noEditPoints="1" noAdjustHandles="1" noChangeArrowheads="1" noChangeShapeType="1" noTextEdit="1"/>
+          </p:cNvSpPr>
+          <p:nvPr>
+            <p:extLst>
+              <p:ext uri="{386F3935-93C4-4BCD-93E2-E3B085C9AB24}">
+                <p16:designElem xmlns:p16="http://schemas.microsoft.com/office/powerpoint/2015/main" val="1"/>
+              </p:ext>
+            </p:extLst>
+          </p:nvPr>
+        </p:nvSpPr>
+        <p:spPr>
+          <a:xfrm>
+            <a:off x="1" y="6400800"/>
+            <a:ext cx="12192000" cy="457200"/>
+          </a:xfrm>
+          <a:prstGeom prst="rect">
+            <a:avLst/>
+          </a:prstGeom>
+          <a:solidFill>
+            <a:schemeClr val="accent2"/>
+          </a:solidFill>
+          <a:ln>
+            <a:noFill/>
+          </a:ln>
+        </p:spPr>
+        <p:style>
+          <a:lnRef idx="2">
+            <a:schemeClr val="accent1">
+              <a:shade val="50000"/>
+            </a:schemeClr>
+          </a:lnRef>
+          <a:fillRef idx="1">
+            <a:schemeClr val="accent1"/>
+          </a:fillRef>
+          <a:effectRef idx="0">
+            <a:schemeClr val="accent1"/>
+          </a:effectRef>
+          <a:fontRef idx="minor">
+            <a:schemeClr val="lt1"/>
+          </a:fontRef>
+        </p:style>
+      </p:sp>
+    </p:spTree>
+    <p:extLst>
+      <p:ext uri="{BB962C8B-B14F-4D97-AF65-F5344CB8AC3E}">
+        <p14:creationId xmlns:p14="http://schemas.microsoft.com/office/powerpoint/2010/main" val="3399012586"/>
+      </p:ext>
+    </p:extLst>
+  </p:cSld>
+  <p:clrMapOvr>
+    <a:masterClrMapping/>
+  </p:clrMapOvr>
+  <p:timing>
+    <p:tnLst>
+      <p:par>
+        <p:cTn id="1" dur="indefinite" restart="never" nodeType="tmRoot">
+          <p:childTnLst>
+            <p:seq concurrent="1" nextAc="seek">
+              <p:cTn id="2" dur="indefinite" nodeType="mainSeq">
+                <p:childTnLst>
+                  <p:par>
+                    <p:cTn id="3" fill="hold">
+                      <p:stCondLst>
+                        <p:cond delay="indefinite"/>
+                      </p:stCondLst>
+                      <p:childTnLst>
+                        <p:par>
+                          <p:cTn id="4" fill="hold">
+                            <p:stCondLst>
+                              <p:cond delay="0"/>
+                            </p:stCondLst>
+                            <p:childTnLst>
+                              <p:par>
+                                <p:cTn id="5" presetID="1" presetClass="entr" presetSubtype="0" fill="hold" grpId="0" nodeType="clickEffect">
+                                  <p:stCondLst>
+                                    <p:cond delay="0"/>
+                                  </p:stCondLst>
+                                  <p:childTnLst>
+                                    <p:set>
+                                      <p:cBhvr>
+                                        <p:cTn id="6" dur="1" fill="hold">
+                                          <p:stCondLst>
+                                            <p:cond delay="0"/>
+                                          </p:stCondLst>
+                                        </p:cTn>
+                                        <p:tgtEl>
+                                          <p:spTgt spid="6"/>
+                                        </p:tgtEl>
+                                        <p:attrNameLst>
+                                          <p:attrName>style.visibility</p:attrName>
+                                        </p:attrNameLst>
+                                      </p:cBhvr>
+                                      <p:to>
+                                        <p:strVal val="visible"/>
+                                      </p:to>
+                                    </p:set>
+                                  </p:childTnLst>
+                                </p:cTn>
+                              </p:par>
+                            </p:childTnLst>
+                          </p:cTn>
+                        </p:par>
+                      </p:childTnLst>
+                    </p:cTn>
+                  </p:par>
+                </p:childTnLst>
+              </p:cTn>
+              <p:prevCondLst>
+                <p:cond evt="onPrev" delay="0">
+                  <p:tgtEl>
+                    <p:sldTgt/>
+                  </p:tgtEl>
+                </p:cond>
+              </p:prevCondLst>
+              <p:nextCondLst>
+                <p:cond evt="onNext" delay="0">
+                  <p:tgtEl>
+                    <p:sldTgt/>
+                  </p:tgtEl>
+                </p:cond>
+              </p:nextCondLst>
+            </p:seq>
+          </p:childTnLst>
+        </p:cTn>
+      </p:par>
+    </p:tnLst>
+    <p:bldLst>
+      <p:bldP spid="6" grpId="0"/>
+    </p:bldLst>
+  </p:timing>
+</p:sld>
+</file>
+
+<file path=ppt/slides/slide9.xml><?xml version="1.0" encoding="utf-8"?>
 <p:sld xmlns:a="http://schemas.openxmlformats.org/drawingml/2006/main" xmlns:r="http://schemas.openxmlformats.org/officeDocument/2006/relationships" xmlns:p="http://schemas.openxmlformats.org/presentationml/2006/main">
   <p:cSld>
     <p:spTree>
